--- a/slides/Generics in .NET.pptx
+++ b/slides/Generics in .NET.pptx
@@ -6788,7 +6788,7 @@
         <p:spPr/>
         <p:txBody>
           <a:bodyPr>
-            <a:normAutofit fontScale="92500" lnSpcReduction="20000"/>
+            <a:normAutofit/>
           </a:bodyPr>
           <a:lstStyle/>
           <a:p>
@@ -6812,7 +6812,11 @@
             </a:pPr>
             <a:r>
               <a:rPr lang="en-US" dirty="0" smtClean="0"/>
-              <a:t>Joe@WirtleyConsulting.com</a:t>
+              <a:t>@</a:t>
+            </a:r>
+            <a:r>
+              <a:rPr lang="en-US" dirty="0" err="1" smtClean="0"/>
+              <a:t>JoeWirtley</a:t>
             </a:r>
             <a:endParaRPr lang="en-US" dirty="0" smtClean="0"/>
           </a:p>
@@ -6828,61 +6832,13 @@
             </a:pPr>
             <a:r>
               <a:rPr lang="en-US" dirty="0" smtClean="0"/>
-              <a:t>@</a:t>
-            </a:r>
-            <a:r>
-              <a:rPr lang="en-US" dirty="0" err="1" smtClean="0"/>
-              <a:t>JoeWirtley</a:t>
-            </a:r>
-            <a:endParaRPr lang="en-US" dirty="0" smtClean="0"/>
+              <a:t>http://WirtleyConsulting.com</a:t>
+            </a:r>
           </a:p>
           <a:p>
             <a:pPr>
               <a:buNone/>
             </a:pPr>
-            <a:endParaRPr lang="en-US" dirty="0" smtClean="0"/>
-          </a:p>
-          <a:p>
-            <a:pPr>
-              <a:buNone/>
-            </a:pPr>
-            <a:r>
-              <a:rPr lang="en-US" dirty="0" smtClean="0"/>
-              <a:t>http://</a:t>
-            </a:r>
-            <a:r>
-              <a:rPr lang="en-US" dirty="0" smtClean="0"/>
-              <a:t>WirtleyConsulting.com</a:t>
-            </a:r>
-          </a:p>
-          <a:p>
-            <a:pPr>
-              <a:buNone/>
-            </a:pPr>
-            <a:endParaRPr lang="en-US" dirty="0" smtClean="0"/>
-          </a:p>
-          <a:p>
-            <a:pPr>
-              <a:buNone/>
-            </a:pPr>
-            <a:r>
-              <a:rPr lang="en-US" dirty="0" smtClean="0"/>
-              <a:t>Friday 8:30 Indigo Bay</a:t>
-            </a:r>
-            <a:br>
-              <a:rPr lang="en-US" dirty="0" smtClean="0"/>
-            </a:br>
-            <a:r>
-              <a:rPr lang="en-US" dirty="0" smtClean="0"/>
-              <a:t/>
-            </a:r>
-            <a:br>
-              <a:rPr lang="en-US" dirty="0" smtClean="0"/>
-            </a:br>
-            <a:r>
-              <a:rPr lang="en-US" dirty="0" smtClean="0"/>
-              <a:t>Attack of the Clones: Eliminating Duplicate Code in .NET</a:t>
-            </a:r>
             <a:endParaRPr lang="en-US" dirty="0" smtClean="0"/>
           </a:p>
         </p:txBody>
